--- a/modelo-apresentacao-CSI-PP.pptx
+++ b/modelo-apresentacao-CSI-PP.pptx
@@ -1554,7 +1554,7 @@
         </p:nvSpPr>
         <p:spPr>
           <a:xfrm>
-            <a:off x="13077" y="2996952"/>
+            <a:off x="-22102" y="3490263"/>
             <a:ext cx="12192000" cy="1815882"/>
           </a:xfrm>
           <a:prstGeom prst="rect">
@@ -1573,8 +1573,14 @@
               <a:rPr lang="pt-BR" sz="2800" dirty="0">
                 <a:latin typeface="Arial Black" panose="020B0A04020102020204" pitchFamily="34" charset="0"/>
               </a:rPr>
-              <a:t>Membros da banca:</a:t>
-            </a:r>
+              <a:t>Professores (em ordem alfabética):</a:t>
+            </a:r>
+          </a:p>
+          <a:p>
+            <a:pPr algn="ctr"/>
+            <a:endParaRPr lang="pt-BR" sz="2800" dirty="0">
+              <a:latin typeface="Arial Black" panose="020B0A04020102020204" pitchFamily="34" charset="0"/>
+            </a:endParaRPr>
           </a:p>
           <a:p>
             <a:pPr algn="ctr"/>
@@ -1582,7 +1588,7 @@
               <a:rPr lang="pt-BR" sz="2800" dirty="0">
                 <a:latin typeface="Arial Black" panose="020B0A04020102020204" pitchFamily="34" charset="0"/>
               </a:rPr>
-              <a:t>Membro 1</a:t>
+              <a:t>Neste link você pode pegar a foto dos professores.</a:t>
             </a:r>
           </a:p>
           <a:p>
@@ -1591,30 +1597,27 @@
               <a:rPr lang="pt-BR" sz="2800" dirty="0">
                 <a:latin typeface="Arial Black" panose="020B0A04020102020204" pitchFamily="34" charset="0"/>
               </a:rPr>
-              <a:t>Membro 2</a:t>
-            </a:r>
-          </a:p>
-          <a:p>
-            <a:pPr algn="ctr"/>
-            <a:r>
-              <a:rPr lang="pt-BR" sz="2800" dirty="0">
-                <a:latin typeface="Arial Black" panose="020B0A04020102020204" pitchFamily="34" charset="0"/>
-              </a:rPr>
-              <a:t>Membro 3</a:t>
+              <a:t>https://github.com/andreneves/PP/tree/master/professores</a:t>
             </a:r>
           </a:p>
         </p:txBody>
       </p:sp>
       <p:sp>
         <p:nvSpPr>
-          <p:cNvPr id="4" name="CaixaDeTexto 3"/>
+          <p:cNvPr id="10" name="CaixaDeTexto 9">
+            <a:extLst>
+              <a:ext uri="{FF2B5EF4-FFF2-40B4-BE49-F238E27FC236}">
+                <a16:creationId xmlns:a16="http://schemas.microsoft.com/office/drawing/2014/main" id="{29D71D25-D534-4D1A-8370-37EEEE549C81}"/>
+              </a:ext>
+            </a:extLst>
+          </p:cNvPr>
           <p:cNvSpPr txBox="1"/>
           <p:nvPr/>
         </p:nvSpPr>
         <p:spPr>
           <a:xfrm>
-            <a:off x="0" y="5805264"/>
-            <a:ext cx="12192000" cy="584775"/>
+            <a:off x="3186" y="1628800"/>
+            <a:ext cx="12192000" cy="830997"/>
           </a:xfrm>
           <a:prstGeom prst="rect">
             <a:avLst/>
@@ -1629,10 +1632,13 @@
           <a:p>
             <a:pPr algn="ctr"/>
             <a:r>
-              <a:rPr lang="pt-BR" sz="3200" dirty="0">
+              <a:rPr lang="pt-BR" sz="4800" dirty="0">
+                <a:solidFill>
+                  <a:schemeClr val="bg1"/>
+                </a:solidFill>
                 <a:latin typeface="Arial Black" panose="020B0A04020102020204" pitchFamily="34" charset="0"/>
               </a:rPr>
-              <a:t>Orientador: ...</a:t>
+              <a:t>Professores:</a:t>
             </a:r>
           </a:p>
         </p:txBody>
@@ -1845,7 +1851,7 @@
 </file>
 
 <file path=ppt/slides/slide5.xml><?xml version="1.0" encoding="utf-8"?>
-<p:sld xmlns:a="http://schemas.openxmlformats.org/drawingml/2006/main" xmlns:r="http://schemas.openxmlformats.org/officeDocument/2006/relationships" xmlns:p="http://schemas.openxmlformats.org/presentationml/2006/main">
+<p:sld xmlns:a="http://schemas.openxmlformats.org/drawingml/2006/main" xmlns:r="http://schemas.openxmlformats.org/officeDocument/2006/relationships" xmlns:p="http://schemas.openxmlformats.org/presentationml/2006/main" show="0">
   <p:cSld>
     <p:spTree>
       <p:nvGrpSpPr>
@@ -2297,36 +2303,161 @@
           </a:p>
         </p:txBody>
       </p:sp>
-      <p:pic>
-        <p:nvPicPr>
-          <p:cNvPr id="3" name="Imagem 2">
+      <p:sp>
+        <p:nvSpPr>
+          <p:cNvPr id="5" name="CaixaDeTexto 4">
             <a:extLst>
               <a:ext uri="{FF2B5EF4-FFF2-40B4-BE49-F238E27FC236}">
-                <a16:creationId xmlns:a16="http://schemas.microsoft.com/office/drawing/2014/main" id="{EDE576C2-5FFB-44FD-8912-99702CF238CD}"/>
+                <a16:creationId xmlns:a16="http://schemas.microsoft.com/office/drawing/2014/main" id="{6B4D514A-4DE4-4E49-A250-70995940E2FD}"/>
               </a:ext>
             </a:extLst>
           </p:cNvPr>
-          <p:cNvPicPr>
-            <a:picLocks noChangeAspect="1"/>
-          </p:cNvPicPr>
-          <p:nvPr/>
-        </p:nvPicPr>
-        <p:blipFill>
-          <a:blip r:embed="rId2"/>
-          <a:stretch>
-            <a:fillRect/>
-          </a:stretch>
-        </p:blipFill>
-        <p:spPr>
-          <a:xfrm>
-            <a:off x="2709862" y="2276872"/>
-            <a:ext cx="6772275" cy="4181475"/>
-          </a:xfrm>
-          <a:prstGeom prst="rect">
-            <a:avLst/>
-          </a:prstGeom>
-        </p:spPr>
-      </p:pic>
+          <p:cNvSpPr txBox="1"/>
+          <p:nvPr/>
+        </p:nvSpPr>
+        <p:spPr>
+          <a:xfrm>
+            <a:off x="335360" y="2154336"/>
+            <a:ext cx="11377264" cy="4154984"/>
+          </a:xfrm>
+          <a:prstGeom prst="rect">
+            <a:avLst/>
+          </a:prstGeom>
+          <a:noFill/>
+        </p:spPr>
+        <p:txBody>
+          <a:bodyPr wrap="square">
+            <a:spAutoFit/>
+          </a:bodyPr>
+          <a:lstStyle/>
+          <a:p>
+            <a:r>
+              <a:rPr lang="pt-BR" sz="2400" b="1" dirty="0">
+                <a:solidFill>
+                  <a:schemeClr val="bg1"/>
+                </a:solidFill>
+              </a:rPr>
+              <a:t>Usabilidade</a:t>
+            </a:r>
+            <a:r>
+              <a:rPr lang="pt-BR" sz="2400" dirty="0">
+                <a:solidFill>
+                  <a:schemeClr val="bg1"/>
+                </a:solidFill>
+              </a:rPr>
+              <a:t> - O sistema deve ter um fácil acesso as suas funcionalidades para otimizar a experiência do usuário;</a:t>
+            </a:r>
+          </a:p>
+          <a:p>
+            <a:r>
+              <a:rPr lang="pt-BR" sz="2400" b="1" dirty="0">
+                <a:solidFill>
+                  <a:schemeClr val="bg1"/>
+                </a:solidFill>
+              </a:rPr>
+              <a:t>Eficiência</a:t>
+            </a:r>
+            <a:r>
+              <a:rPr lang="pt-BR" sz="2400" dirty="0">
+                <a:solidFill>
+                  <a:schemeClr val="bg1"/>
+                </a:solidFill>
+              </a:rPr>
+              <a:t> - O sistema deve responder a 240 requisições por minuto;</a:t>
+            </a:r>
+          </a:p>
+          <a:p>
+            <a:r>
+              <a:rPr lang="pt-BR" sz="2400" b="1" dirty="0">
+                <a:solidFill>
+                  <a:schemeClr val="bg1"/>
+                </a:solidFill>
+              </a:rPr>
+              <a:t>Confiabilidade</a:t>
+            </a:r>
+            <a:r>
+              <a:rPr lang="pt-BR" sz="2400" dirty="0">
+                <a:solidFill>
+                  <a:schemeClr val="bg1"/>
+                </a:solidFill>
+              </a:rPr>
+              <a:t> - O sistema deve ter alta disponibilidade em 99,8% do tempo;</a:t>
+            </a:r>
+          </a:p>
+          <a:p>
+            <a:r>
+              <a:rPr lang="pt-BR" sz="2400" b="1" dirty="0">
+                <a:solidFill>
+                  <a:schemeClr val="bg1"/>
+                </a:solidFill>
+              </a:rPr>
+              <a:t>Portabilidade</a:t>
+            </a:r>
+            <a:r>
+              <a:rPr lang="pt-BR" sz="2400" dirty="0">
+                <a:solidFill>
+                  <a:schemeClr val="bg1"/>
+                </a:solidFill>
+              </a:rPr>
+              <a:t> - o sistema deve se adequar a diversos dispositivos sendo responsivo;</a:t>
+            </a:r>
+          </a:p>
+          <a:p>
+            <a:r>
+              <a:rPr lang="pt-BR" sz="2400" b="1" dirty="0">
+                <a:solidFill>
+                  <a:schemeClr val="bg1"/>
+                </a:solidFill>
+              </a:rPr>
+              <a:t>Acessibilidade</a:t>
+            </a:r>
+            <a:r>
+              <a:rPr lang="pt-BR" sz="2400" dirty="0">
+                <a:solidFill>
+                  <a:schemeClr val="bg1"/>
+                </a:solidFill>
+              </a:rPr>
+              <a:t> - O sistema deve estar enquadrado nas regras de acessibilidade W3C;</a:t>
+            </a:r>
+          </a:p>
+          <a:p>
+            <a:r>
+              <a:rPr lang="pt-BR" sz="2400" b="1" dirty="0">
+                <a:solidFill>
+                  <a:schemeClr val="bg1"/>
+                </a:solidFill>
+              </a:rPr>
+              <a:t>Segurança</a:t>
+            </a:r>
+            <a:r>
+              <a:rPr lang="pt-BR" sz="2400" dirty="0">
+                <a:solidFill>
+                  <a:schemeClr val="bg1"/>
+                </a:solidFill>
+              </a:rPr>
+              <a:t> - o sistema deve atender as regras de segurança, como exemplo: manter sistema operacional, linguagem, banco de dados, framework, etc. atualizados. Fazer testes periódicos de scanner de invasão. Ter um sistema de firewall inteligente (WAF);</a:t>
+            </a:r>
+          </a:p>
+          <a:p>
+            <a:r>
+              <a:rPr lang="pt-BR" sz="2400" b="1" dirty="0">
+                <a:solidFill>
+                  <a:schemeClr val="bg1"/>
+                </a:solidFill>
+              </a:rPr>
+              <a:t>Privacidade</a:t>
+            </a:r>
+            <a:r>
+              <a:rPr lang="pt-BR" sz="2400" dirty="0">
+                <a:solidFill>
+                  <a:schemeClr val="bg1"/>
+                </a:solidFill>
+              </a:rPr>
+              <a:t> - Estar de acordo com as regras vigentes da LGPD (Lei Geral de Proteção aos Dados).</a:t>
+            </a:r>
+          </a:p>
+        </p:txBody>
+      </p:sp>
     </p:spTree>
     <p:extLst>
       <p:ext uri="{BB962C8B-B14F-4D97-AF65-F5344CB8AC3E}">

--- a/modelo-apresentacao-CSI-PP.pptx
+++ b/modelo-apresentacao-CSI-PP.pptx
@@ -933,7 +933,7 @@
 </file>
 
 <file path=ppt/slides/slide11.xml><?xml version="1.0" encoding="utf-8"?>
-<p:sld xmlns:a="http://schemas.openxmlformats.org/drawingml/2006/main" xmlns:r="http://schemas.openxmlformats.org/officeDocument/2006/relationships" xmlns:p="http://schemas.openxmlformats.org/presentationml/2006/main">
+<p:sld xmlns:a="http://schemas.openxmlformats.org/drawingml/2006/main" xmlns:r="http://schemas.openxmlformats.org/officeDocument/2006/relationships" xmlns:p="http://schemas.openxmlformats.org/presentationml/2006/main" show="0">
   <p:cSld>
     <p:spTree>
       <p:nvGrpSpPr>
@@ -1258,7 +1258,7 @@
 </file>
 
 <file path=ppt/slides/slide14.xml><?xml version="1.0" encoding="utf-8"?>
-<p:sld xmlns:a="http://schemas.openxmlformats.org/drawingml/2006/main" xmlns:r="http://schemas.openxmlformats.org/officeDocument/2006/relationships" xmlns:p="http://schemas.openxmlformats.org/presentationml/2006/main">
+<p:sld xmlns:a="http://schemas.openxmlformats.org/drawingml/2006/main" xmlns:r="http://schemas.openxmlformats.org/officeDocument/2006/relationships" xmlns:p="http://schemas.openxmlformats.org/presentationml/2006/main" show="0">
   <p:cSld>
     <p:spTree>
       <p:nvGrpSpPr>
